--- a/Airline Passenger Satisfaction Analysis.pptx
+++ b/Airline Passenger Satisfaction Analysis.pptx
@@ -4355,7 +4355,7 @@
           <a:p>
             <a:fld id="{EED1C14C-A143-42F5-B247-D0E800131009}" type="datetimeFigureOut">
               <a:rPr lang="en-US" smtClean="0"/>
-              <a:t>2/7/2025</a:t>
+              <a:t>2/12/2025</a:t>
             </a:fld>
             <a:endParaRPr lang="en-US"/>
           </a:p>
@@ -4553,7 +4553,7 @@
           <a:p>
             <a:fld id="{EED1C14C-A143-42F5-B247-D0E800131009}" type="datetimeFigureOut">
               <a:rPr lang="en-US" smtClean="0"/>
-              <a:t>2/7/2025</a:t>
+              <a:t>2/12/2025</a:t>
             </a:fld>
             <a:endParaRPr lang="en-US"/>
           </a:p>
@@ -4761,7 +4761,7 @@
           <a:p>
             <a:fld id="{EED1C14C-A143-42F5-B247-D0E800131009}" type="datetimeFigureOut">
               <a:rPr lang="en-US" smtClean="0"/>
-              <a:t>2/7/2025</a:t>
+              <a:t>2/12/2025</a:t>
             </a:fld>
             <a:endParaRPr lang="en-US"/>
           </a:p>
@@ -4959,7 +4959,7 @@
           <a:p>
             <a:fld id="{EED1C14C-A143-42F5-B247-D0E800131009}" type="datetimeFigureOut">
               <a:rPr lang="en-US" smtClean="0"/>
-              <a:t>2/7/2025</a:t>
+              <a:t>2/12/2025</a:t>
             </a:fld>
             <a:endParaRPr lang="en-US"/>
           </a:p>
@@ -5234,7 +5234,7 @@
           <a:p>
             <a:fld id="{EED1C14C-A143-42F5-B247-D0E800131009}" type="datetimeFigureOut">
               <a:rPr lang="en-US" smtClean="0"/>
-              <a:t>2/7/2025</a:t>
+              <a:t>2/12/2025</a:t>
             </a:fld>
             <a:endParaRPr lang="en-US"/>
           </a:p>
@@ -5499,7 +5499,7 @@
           <a:p>
             <a:fld id="{EED1C14C-A143-42F5-B247-D0E800131009}" type="datetimeFigureOut">
               <a:rPr lang="en-US" smtClean="0"/>
-              <a:t>2/7/2025</a:t>
+              <a:t>2/12/2025</a:t>
             </a:fld>
             <a:endParaRPr lang="en-US"/>
           </a:p>
@@ -5911,7 +5911,7 @@
           <a:p>
             <a:fld id="{EED1C14C-A143-42F5-B247-D0E800131009}" type="datetimeFigureOut">
               <a:rPr lang="en-US" smtClean="0"/>
-              <a:t>2/7/2025</a:t>
+              <a:t>2/12/2025</a:t>
             </a:fld>
             <a:endParaRPr lang="en-US"/>
           </a:p>
@@ -6052,7 +6052,7 @@
           <a:p>
             <a:fld id="{EED1C14C-A143-42F5-B247-D0E800131009}" type="datetimeFigureOut">
               <a:rPr lang="en-US" smtClean="0"/>
-              <a:t>2/7/2025</a:t>
+              <a:t>2/12/2025</a:t>
             </a:fld>
             <a:endParaRPr lang="en-US"/>
           </a:p>
@@ -6165,7 +6165,7 @@
           <a:p>
             <a:fld id="{EED1C14C-A143-42F5-B247-D0E800131009}" type="datetimeFigureOut">
               <a:rPr lang="en-US" smtClean="0"/>
-              <a:t>2/7/2025</a:t>
+              <a:t>2/12/2025</a:t>
             </a:fld>
             <a:endParaRPr lang="en-US"/>
           </a:p>
@@ -6476,7 +6476,7 @@
           <a:p>
             <a:fld id="{EED1C14C-A143-42F5-B247-D0E800131009}" type="datetimeFigureOut">
               <a:rPr lang="en-US" smtClean="0"/>
-              <a:t>2/7/2025</a:t>
+              <a:t>2/12/2025</a:t>
             </a:fld>
             <a:endParaRPr lang="en-US"/>
           </a:p>
@@ -6764,7 +6764,7 @@
           <a:p>
             <a:fld id="{EED1C14C-A143-42F5-B247-D0E800131009}" type="datetimeFigureOut">
               <a:rPr lang="en-US" smtClean="0"/>
-              <a:t>2/7/2025</a:t>
+              <a:t>2/12/2025</a:t>
             </a:fld>
             <a:endParaRPr lang="en-US"/>
           </a:p>
@@ -7005,7 +7005,7 @@
           <a:p>
             <a:fld id="{EED1C14C-A143-42F5-B247-D0E800131009}" type="datetimeFigureOut">
               <a:rPr lang="en-US" smtClean="0"/>
-              <a:t>2/7/2025</a:t>
+              <a:t>2/12/2025</a:t>
             </a:fld>
             <a:endParaRPr lang="en-US"/>
           </a:p>
@@ -13169,10 +13169,10 @@
       </p:grpSpPr>
       <p:pic>
         <p:nvPicPr>
-          <p:cNvPr id="3" name="Picture 2">
+          <p:cNvPr id="4" name="Picture 3">
             <a:extLst>
               <a:ext uri="{FF2B5EF4-FFF2-40B4-BE49-F238E27FC236}">
-                <a16:creationId xmlns:a16="http://schemas.microsoft.com/office/drawing/2014/main" id="{3287ED65-6140-D4FA-76AB-98AC35F45AA5}"/>
+                <a16:creationId xmlns:a16="http://schemas.microsoft.com/office/drawing/2014/main" id="{9CA26FC6-E6CE-785B-14E4-7DE2DF1AB9A7}"/>
               </a:ext>
             </a:extLst>
           </p:cNvPr>
